--- a/Uganda FSH Overview.pptx
+++ b/Uganda FSH Overview.pptx
@@ -3204,25 +3204,6 @@
       </p:grpSpPr>
       <p:sp>
         <p:nvSpPr>
-          <p:cNvPr id="2" name="Text Placeholder 1"/>
-          <p:cNvSpPr>
-            <a:spLocks noGrp="1"/>
-          </p:cNvSpPr>
-          <p:nvPr>
-            <p:ph type="body" sz="quarter" idx="39"/>
-          </p:nvPr>
-        </p:nvSpPr>
-        <p:spPr/>
-        <p:txBody>
-          <a:bodyPr/>
-          <a:lstStyle/>
-          <a:p>
-            <a:endParaRPr lang="nl-NL"/>
-          </a:p>
-        </p:txBody>
-      </p:sp>
-      <p:sp>
-        <p:nvSpPr>
           <p:cNvPr id="4" name="Titel 3"/>
           <p:cNvSpPr>
             <a:spLocks noGrp="1"/>
@@ -8740,8 +8721,38 @@
         </p:blipFill>
         <p:spPr>
           <a:xfrm>
-            <a:off x="1559496" y="0"/>
+            <a:off x="191344" y="0"/>
             <a:ext cx="9217024" cy="7105698"/>
+          </a:xfrm>
+          <a:prstGeom prst="rect">
+            <a:avLst/>
+          </a:prstGeom>
+        </p:spPr>
+      </p:pic>
+      <p:pic>
+        <p:nvPicPr>
+          <p:cNvPr id="5" name="Picture 4">
+            <a:extLst>
+              <a:ext uri="{FF2B5EF4-FFF2-40B4-BE49-F238E27FC236}">
+                <a16:creationId xmlns:a16="http://schemas.microsoft.com/office/drawing/2014/main" id="{424EA80F-2D2D-2D95-B2FB-9989F00882F0}"/>
+              </a:ext>
+            </a:extLst>
+          </p:cNvPr>
+          <p:cNvPicPr>
+            <a:picLocks noChangeAspect="1"/>
+          </p:cNvPicPr>
+          <p:nvPr/>
+        </p:nvPicPr>
+        <p:blipFill>
+          <a:blip r:embed="rId3"/>
+          <a:stretch>
+            <a:fillRect/>
+          </a:stretch>
+        </p:blipFill>
+        <p:spPr>
+          <a:xfrm>
+            <a:off x="9311814" y="3429000"/>
+            <a:ext cx="2857500" cy="2857500"/>
           </a:xfrm>
           <a:prstGeom prst="rect">
             <a:avLst/>
@@ -8945,6 +8956,36 @@
           </a:p>
         </p:txBody>
       </p:sp>
+      <p:pic>
+        <p:nvPicPr>
+          <p:cNvPr id="6" name="Picture 5">
+            <a:extLst>
+              <a:ext uri="{FF2B5EF4-FFF2-40B4-BE49-F238E27FC236}">
+                <a16:creationId xmlns:a16="http://schemas.microsoft.com/office/drawing/2014/main" id="{13F75252-4E4B-C120-6A8E-F04381C3249B}"/>
+              </a:ext>
+            </a:extLst>
+          </p:cNvPr>
+          <p:cNvPicPr>
+            <a:picLocks noChangeAspect="1"/>
+          </p:cNvPicPr>
+          <p:nvPr/>
+        </p:nvPicPr>
+        <p:blipFill>
+          <a:blip r:embed="rId3"/>
+          <a:stretch>
+            <a:fillRect/>
+          </a:stretch>
+        </p:blipFill>
+        <p:spPr>
+          <a:xfrm>
+            <a:off x="9552384" y="3573016"/>
+            <a:ext cx="2713484" cy="2713484"/>
+          </a:xfrm>
+          <a:prstGeom prst="rect">
+            <a:avLst/>
+          </a:prstGeom>
+        </p:spPr>
+      </p:pic>
     </p:spTree>
     <p:extLst>
       <p:ext uri="{BB962C8B-B14F-4D97-AF65-F5344CB8AC3E}">
